--- a/Upload Slides/CSC481-681 - L01 Terminology and Goals.pptx
+++ b/Upload Slides/CSC481-681 - L01 Terminology and Goals.pptx
@@ -6,7 +6,7 @@
     <p:sldMasterId id="2147483673" r:id="rId2"/>
   </p:sldMasterIdLst>
   <p:notesMasterIdLst>
-    <p:notesMasterId r:id="rId37"/>
+    <p:notesMasterId r:id="rId38"/>
   </p:notesMasterIdLst>
   <p:sldIdLst>
     <p:sldId id="256" r:id="rId3"/>
@@ -41,8 +41,9 @@
     <p:sldId id="304" r:id="rId32"/>
     <p:sldId id="305" r:id="rId33"/>
     <p:sldId id="269" r:id="rId34"/>
-    <p:sldId id="278" r:id="rId35"/>
-    <p:sldId id="279" r:id="rId36"/>
+    <p:sldId id="309" r:id="rId35"/>
+    <p:sldId id="278" r:id="rId36"/>
+    <p:sldId id="279" r:id="rId37"/>
   </p:sldIdLst>
   <p:sldSz cx="9144000" cy="5143500" type="screen16x9"/>
   <p:notesSz cx="6858000" cy="9144000"/>
@@ -20485,6 +20486,1025 @@
         </p:txBody>
       </p:sp>
     </p:spTree>
+  </p:cSld>
+  <p:clrMapOvr>
+    <a:masterClrMapping/>
+  </p:clrMapOvr>
+</p:sldLayout>
+</file>
+
+<file path=ppt/slideLayouts/slideLayout23.xml><?xml version="1.0" encoding="utf-8"?>
+<p:sldLayout xmlns:a="http://schemas.openxmlformats.org/drawingml/2006/main" xmlns:r="http://schemas.openxmlformats.org/officeDocument/2006/relationships" xmlns:p="http://schemas.openxmlformats.org/presentationml/2006/main" matchingName="Section Header" type="secHead">
+  <p:cSld name="Section Header">
+    <p:spTree>
+      <p:nvGrpSpPr>
+        <p:cNvPr id="1" name="Shape 87"/>
+        <p:cNvGrpSpPr/>
+        <p:nvPr/>
+      </p:nvGrpSpPr>
+      <p:grpSpPr>
+        <a:xfrm>
+          <a:off x="0" y="0"/>
+          <a:ext cx="0" cy="0"/>
+          <a:chOff x="0" y="0"/>
+          <a:chExt cx="0" cy="0"/>
+        </a:xfrm>
+      </p:grpSpPr>
+      <p:sp>
+        <p:nvSpPr>
+          <p:cNvPr id="88" name="Google Shape;88;p16"/>
+          <p:cNvSpPr txBox="1">
+            <a:spLocks noGrp="1"/>
+          </p:cNvSpPr>
+          <p:nvPr>
+            <p:ph type="title"/>
+          </p:nvPr>
+        </p:nvSpPr>
+        <p:spPr>
+          <a:xfrm>
+            <a:off x="623888" y="1282304"/>
+            <a:ext cx="7886700" cy="2139600"/>
+          </a:xfrm>
+          <a:prstGeom prst="rect">
+            <a:avLst/>
+          </a:prstGeom>
+          <a:noFill/>
+          <a:ln>
+            <a:noFill/>
+          </a:ln>
+        </p:spPr>
+        <p:txBody>
+          <a:bodyPr spcFirstLastPara="1" wrap="square" lIns="91425" tIns="45700" rIns="91425" bIns="45700" anchor="b" anchorCtr="0">
+            <a:noAutofit/>
+          </a:bodyPr>
+          <a:lstStyle>
+            <a:lvl1pPr marR="0" lvl="0" algn="l">
+              <a:lnSpc>
+                <a:spcPct val="90000"/>
+              </a:lnSpc>
+              <a:spcBef>
+                <a:spcPts val="0"/>
+              </a:spcBef>
+              <a:spcAft>
+                <a:spcPts val="0"/>
+              </a:spcAft>
+              <a:buClr>
+                <a:schemeClr val="dk2"/>
+              </a:buClr>
+              <a:buSzPts val="6000"/>
+              <a:buFont typeface="Georgia"/>
+              <a:buNone/>
+              <a:defRPr sz="6000" b="0" i="0" u="none" strike="noStrike" cap="none">
+                <a:solidFill>
+                  <a:schemeClr val="dk2"/>
+                </a:solidFill>
+                <a:latin typeface="Georgia"/>
+                <a:ea typeface="Georgia"/>
+                <a:cs typeface="Georgia"/>
+                <a:sym typeface="Georgia"/>
+              </a:defRPr>
+            </a:lvl1pPr>
+            <a:lvl2pPr lvl="1" algn="l">
+              <a:lnSpc>
+                <a:spcPct val="100000"/>
+              </a:lnSpc>
+              <a:spcBef>
+                <a:spcPts val="0"/>
+              </a:spcBef>
+              <a:spcAft>
+                <a:spcPts val="0"/>
+              </a:spcAft>
+              <a:buSzPts val="1400"/>
+              <a:buNone/>
+              <a:defRPr sz="1800"/>
+            </a:lvl2pPr>
+            <a:lvl3pPr lvl="2" algn="l">
+              <a:lnSpc>
+                <a:spcPct val="100000"/>
+              </a:lnSpc>
+              <a:spcBef>
+                <a:spcPts val="0"/>
+              </a:spcBef>
+              <a:spcAft>
+                <a:spcPts val="0"/>
+              </a:spcAft>
+              <a:buSzPts val="1400"/>
+              <a:buNone/>
+              <a:defRPr sz="1800"/>
+            </a:lvl3pPr>
+            <a:lvl4pPr lvl="3" algn="l">
+              <a:lnSpc>
+                <a:spcPct val="100000"/>
+              </a:lnSpc>
+              <a:spcBef>
+                <a:spcPts val="0"/>
+              </a:spcBef>
+              <a:spcAft>
+                <a:spcPts val="0"/>
+              </a:spcAft>
+              <a:buSzPts val="1400"/>
+              <a:buNone/>
+              <a:defRPr sz="1800"/>
+            </a:lvl4pPr>
+            <a:lvl5pPr lvl="4" algn="l">
+              <a:lnSpc>
+                <a:spcPct val="100000"/>
+              </a:lnSpc>
+              <a:spcBef>
+                <a:spcPts val="0"/>
+              </a:spcBef>
+              <a:spcAft>
+                <a:spcPts val="0"/>
+              </a:spcAft>
+              <a:buSzPts val="1400"/>
+              <a:buNone/>
+              <a:defRPr sz="1800"/>
+            </a:lvl5pPr>
+            <a:lvl6pPr lvl="5" algn="l">
+              <a:lnSpc>
+                <a:spcPct val="100000"/>
+              </a:lnSpc>
+              <a:spcBef>
+                <a:spcPts val="0"/>
+              </a:spcBef>
+              <a:spcAft>
+                <a:spcPts val="0"/>
+              </a:spcAft>
+              <a:buSzPts val="1400"/>
+              <a:buNone/>
+              <a:defRPr sz="1800"/>
+            </a:lvl6pPr>
+            <a:lvl7pPr lvl="6" algn="l">
+              <a:lnSpc>
+                <a:spcPct val="100000"/>
+              </a:lnSpc>
+              <a:spcBef>
+                <a:spcPts val="0"/>
+              </a:spcBef>
+              <a:spcAft>
+                <a:spcPts val="0"/>
+              </a:spcAft>
+              <a:buSzPts val="1400"/>
+              <a:buNone/>
+              <a:defRPr sz="1800"/>
+            </a:lvl7pPr>
+            <a:lvl8pPr lvl="7" algn="l">
+              <a:lnSpc>
+                <a:spcPct val="100000"/>
+              </a:lnSpc>
+              <a:spcBef>
+                <a:spcPts val="0"/>
+              </a:spcBef>
+              <a:spcAft>
+                <a:spcPts val="0"/>
+              </a:spcAft>
+              <a:buSzPts val="1400"/>
+              <a:buNone/>
+              <a:defRPr sz="1800"/>
+            </a:lvl8pPr>
+            <a:lvl9pPr lvl="8" algn="l">
+              <a:lnSpc>
+                <a:spcPct val="100000"/>
+              </a:lnSpc>
+              <a:spcBef>
+                <a:spcPts val="0"/>
+              </a:spcBef>
+              <a:spcAft>
+                <a:spcPts val="0"/>
+              </a:spcAft>
+              <a:buSzPts val="1400"/>
+              <a:buNone/>
+              <a:defRPr sz="1800"/>
+            </a:lvl9pPr>
+          </a:lstStyle>
+          <a:p>
+            <a:endParaRPr/>
+          </a:p>
+        </p:txBody>
+      </p:sp>
+      <p:sp>
+        <p:nvSpPr>
+          <p:cNvPr id="89" name="Google Shape;89;p16"/>
+          <p:cNvSpPr txBox="1">
+            <a:spLocks noGrp="1"/>
+          </p:cNvSpPr>
+          <p:nvPr>
+            <p:ph type="body" idx="1"/>
+          </p:nvPr>
+        </p:nvSpPr>
+        <p:spPr>
+          <a:xfrm>
+            <a:off x="623888" y="3442098"/>
+            <a:ext cx="7886700" cy="1125300"/>
+          </a:xfrm>
+          <a:prstGeom prst="rect">
+            <a:avLst/>
+          </a:prstGeom>
+          <a:noFill/>
+          <a:ln>
+            <a:noFill/>
+          </a:ln>
+        </p:spPr>
+        <p:txBody>
+          <a:bodyPr spcFirstLastPara="1" wrap="square" lIns="91425" tIns="45700" rIns="91425" bIns="45700" anchor="t" anchorCtr="0">
+            <a:noAutofit/>
+          </a:bodyPr>
+          <a:lstStyle>
+            <a:lvl1pPr marL="457200" marR="0" lvl="0" indent="-228600" algn="l">
+              <a:lnSpc>
+                <a:spcPct val="90000"/>
+              </a:lnSpc>
+              <a:spcBef>
+                <a:spcPts val="1000"/>
+              </a:spcBef>
+              <a:spcAft>
+                <a:spcPts val="0"/>
+              </a:spcAft>
+              <a:buClr>
+                <a:srgbClr val="888888"/>
+              </a:buClr>
+              <a:buSzPts val="2400"/>
+              <a:buFont typeface="Arial"/>
+              <a:buNone/>
+              <a:defRPr sz="2400" b="0" i="0" u="none" strike="noStrike" cap="none">
+                <a:solidFill>
+                  <a:srgbClr val="888888"/>
+                </a:solidFill>
+                <a:latin typeface="Arial"/>
+                <a:ea typeface="Arial"/>
+                <a:cs typeface="Arial"/>
+                <a:sym typeface="Arial"/>
+              </a:defRPr>
+            </a:lvl1pPr>
+            <a:lvl2pPr marL="914400" marR="0" lvl="1" indent="-228600" algn="l">
+              <a:lnSpc>
+                <a:spcPct val="90000"/>
+              </a:lnSpc>
+              <a:spcBef>
+                <a:spcPts val="500"/>
+              </a:spcBef>
+              <a:spcAft>
+                <a:spcPts val="0"/>
+              </a:spcAft>
+              <a:buClr>
+                <a:srgbClr val="888888"/>
+              </a:buClr>
+              <a:buSzPts val="2000"/>
+              <a:buFont typeface="Arial"/>
+              <a:buNone/>
+              <a:defRPr sz="2000" b="0" i="0" u="none" strike="noStrike" cap="none">
+                <a:solidFill>
+                  <a:srgbClr val="888888"/>
+                </a:solidFill>
+                <a:latin typeface="Arial"/>
+                <a:ea typeface="Arial"/>
+                <a:cs typeface="Arial"/>
+                <a:sym typeface="Arial"/>
+              </a:defRPr>
+            </a:lvl2pPr>
+            <a:lvl3pPr marL="1371600" marR="0" lvl="2" indent="-228600" algn="l">
+              <a:lnSpc>
+                <a:spcPct val="90000"/>
+              </a:lnSpc>
+              <a:spcBef>
+                <a:spcPts val="500"/>
+              </a:spcBef>
+              <a:spcAft>
+                <a:spcPts val="0"/>
+              </a:spcAft>
+              <a:buClr>
+                <a:srgbClr val="888888"/>
+              </a:buClr>
+              <a:buSzPts val="1800"/>
+              <a:buFont typeface="Arial"/>
+              <a:buNone/>
+              <a:defRPr sz="1800" b="0" i="0" u="none" strike="noStrike" cap="none">
+                <a:solidFill>
+                  <a:srgbClr val="888888"/>
+                </a:solidFill>
+                <a:latin typeface="Arial"/>
+                <a:ea typeface="Arial"/>
+                <a:cs typeface="Arial"/>
+                <a:sym typeface="Arial"/>
+              </a:defRPr>
+            </a:lvl3pPr>
+            <a:lvl4pPr marL="1828800" marR="0" lvl="3" indent="-228600" algn="l">
+              <a:lnSpc>
+                <a:spcPct val="90000"/>
+              </a:lnSpc>
+              <a:spcBef>
+                <a:spcPts val="500"/>
+              </a:spcBef>
+              <a:spcAft>
+                <a:spcPts val="0"/>
+              </a:spcAft>
+              <a:buClr>
+                <a:srgbClr val="888888"/>
+              </a:buClr>
+              <a:buSzPts val="1600"/>
+              <a:buFont typeface="Arial"/>
+              <a:buNone/>
+              <a:defRPr sz="1600" b="0" i="0" u="none" strike="noStrike" cap="none">
+                <a:solidFill>
+                  <a:srgbClr val="888888"/>
+                </a:solidFill>
+                <a:latin typeface="Arial"/>
+                <a:ea typeface="Arial"/>
+                <a:cs typeface="Arial"/>
+                <a:sym typeface="Arial"/>
+              </a:defRPr>
+            </a:lvl4pPr>
+            <a:lvl5pPr marL="2286000" marR="0" lvl="4" indent="-228600" algn="l">
+              <a:lnSpc>
+                <a:spcPct val="90000"/>
+              </a:lnSpc>
+              <a:spcBef>
+                <a:spcPts val="500"/>
+              </a:spcBef>
+              <a:spcAft>
+                <a:spcPts val="0"/>
+              </a:spcAft>
+              <a:buClr>
+                <a:srgbClr val="888888"/>
+              </a:buClr>
+              <a:buSzPts val="1600"/>
+              <a:buFont typeface="Arial"/>
+              <a:buNone/>
+              <a:defRPr sz="1600" b="0" i="0" u="none" strike="noStrike" cap="none">
+                <a:solidFill>
+                  <a:srgbClr val="888888"/>
+                </a:solidFill>
+                <a:latin typeface="Arial"/>
+                <a:ea typeface="Arial"/>
+                <a:cs typeface="Arial"/>
+                <a:sym typeface="Arial"/>
+              </a:defRPr>
+            </a:lvl5pPr>
+            <a:lvl6pPr marL="2743200" marR="0" lvl="5" indent="-228600" algn="l">
+              <a:lnSpc>
+                <a:spcPct val="90000"/>
+              </a:lnSpc>
+              <a:spcBef>
+                <a:spcPts val="500"/>
+              </a:spcBef>
+              <a:spcAft>
+                <a:spcPts val="0"/>
+              </a:spcAft>
+              <a:buClr>
+                <a:srgbClr val="888888"/>
+              </a:buClr>
+              <a:buSzPts val="1600"/>
+              <a:buFont typeface="Arial"/>
+              <a:buNone/>
+              <a:defRPr sz="1600" b="0" i="0" u="none" strike="noStrike" cap="none">
+                <a:solidFill>
+                  <a:srgbClr val="888888"/>
+                </a:solidFill>
+                <a:latin typeface="Arial"/>
+                <a:ea typeface="Arial"/>
+                <a:cs typeface="Arial"/>
+                <a:sym typeface="Arial"/>
+              </a:defRPr>
+            </a:lvl6pPr>
+            <a:lvl7pPr marL="3200400" marR="0" lvl="6" indent="-228600" algn="l">
+              <a:lnSpc>
+                <a:spcPct val="90000"/>
+              </a:lnSpc>
+              <a:spcBef>
+                <a:spcPts val="500"/>
+              </a:spcBef>
+              <a:spcAft>
+                <a:spcPts val="0"/>
+              </a:spcAft>
+              <a:buClr>
+                <a:srgbClr val="888888"/>
+              </a:buClr>
+              <a:buSzPts val="1600"/>
+              <a:buFont typeface="Arial"/>
+              <a:buNone/>
+              <a:defRPr sz="1600" b="0" i="0" u="none" strike="noStrike" cap="none">
+                <a:solidFill>
+                  <a:srgbClr val="888888"/>
+                </a:solidFill>
+                <a:latin typeface="Arial"/>
+                <a:ea typeface="Arial"/>
+                <a:cs typeface="Arial"/>
+                <a:sym typeface="Arial"/>
+              </a:defRPr>
+            </a:lvl7pPr>
+            <a:lvl8pPr marL="3657600" marR="0" lvl="7" indent="-228600" algn="l">
+              <a:lnSpc>
+                <a:spcPct val="90000"/>
+              </a:lnSpc>
+              <a:spcBef>
+                <a:spcPts val="500"/>
+              </a:spcBef>
+              <a:spcAft>
+                <a:spcPts val="0"/>
+              </a:spcAft>
+              <a:buClr>
+                <a:srgbClr val="888888"/>
+              </a:buClr>
+              <a:buSzPts val="1600"/>
+              <a:buFont typeface="Arial"/>
+              <a:buNone/>
+              <a:defRPr sz="1600" b="0" i="0" u="none" strike="noStrike" cap="none">
+                <a:solidFill>
+                  <a:srgbClr val="888888"/>
+                </a:solidFill>
+                <a:latin typeface="Arial"/>
+                <a:ea typeface="Arial"/>
+                <a:cs typeface="Arial"/>
+                <a:sym typeface="Arial"/>
+              </a:defRPr>
+            </a:lvl8pPr>
+            <a:lvl9pPr marL="4114800" marR="0" lvl="8" indent="-228600" algn="l">
+              <a:lnSpc>
+                <a:spcPct val="90000"/>
+              </a:lnSpc>
+              <a:spcBef>
+                <a:spcPts val="500"/>
+              </a:spcBef>
+              <a:spcAft>
+                <a:spcPts val="0"/>
+              </a:spcAft>
+              <a:buClr>
+                <a:srgbClr val="888888"/>
+              </a:buClr>
+              <a:buSzPts val="1600"/>
+              <a:buFont typeface="Arial"/>
+              <a:buNone/>
+              <a:defRPr sz="1600" b="0" i="0" u="none" strike="noStrike" cap="none">
+                <a:solidFill>
+                  <a:srgbClr val="888888"/>
+                </a:solidFill>
+                <a:latin typeface="Arial"/>
+                <a:ea typeface="Arial"/>
+                <a:cs typeface="Arial"/>
+                <a:sym typeface="Arial"/>
+              </a:defRPr>
+            </a:lvl9pPr>
+          </a:lstStyle>
+          <a:p>
+            <a:endParaRPr/>
+          </a:p>
+        </p:txBody>
+      </p:sp>
+      <p:sp>
+        <p:nvSpPr>
+          <p:cNvPr id="90" name="Google Shape;90;p16"/>
+          <p:cNvSpPr txBox="1">
+            <a:spLocks noGrp="1"/>
+          </p:cNvSpPr>
+          <p:nvPr>
+            <p:ph type="ftr" idx="11"/>
+          </p:nvPr>
+        </p:nvSpPr>
+        <p:spPr>
+          <a:xfrm>
+            <a:off x="4458400" y="4767263"/>
+            <a:ext cx="3086100" cy="273900"/>
+          </a:xfrm>
+          <a:prstGeom prst="rect">
+            <a:avLst/>
+          </a:prstGeom>
+          <a:noFill/>
+          <a:ln>
+            <a:noFill/>
+          </a:ln>
+        </p:spPr>
+        <p:txBody>
+          <a:bodyPr spcFirstLastPara="1" wrap="square" lIns="91425" tIns="45700" rIns="91425" bIns="45700" anchor="ctr" anchorCtr="0">
+            <a:noAutofit/>
+          </a:bodyPr>
+          <a:lstStyle>
+            <a:lvl1pPr marR="0" lvl="0" algn="ctr" rtl="0">
+              <a:lnSpc>
+                <a:spcPct val="100000"/>
+              </a:lnSpc>
+              <a:spcBef>
+                <a:spcPts val="0"/>
+              </a:spcBef>
+              <a:spcAft>
+                <a:spcPts val="0"/>
+              </a:spcAft>
+              <a:buClr>
+                <a:srgbClr val="000000"/>
+              </a:buClr>
+              <a:buSzPts val="1400"/>
+              <a:buFont typeface="Arial"/>
+              <a:buNone/>
+              <a:defRPr sz="1200" b="0" i="0" u="none" strike="noStrike" cap="none">
+                <a:solidFill>
+                  <a:srgbClr val="888888"/>
+                </a:solidFill>
+                <a:latin typeface="Arial"/>
+                <a:ea typeface="Arial"/>
+                <a:cs typeface="Arial"/>
+                <a:sym typeface="Arial"/>
+              </a:defRPr>
+            </a:lvl1pPr>
+            <a:lvl2pPr marR="0" lvl="1" algn="l" rtl="0">
+              <a:lnSpc>
+                <a:spcPct val="100000"/>
+              </a:lnSpc>
+              <a:spcBef>
+                <a:spcPts val="0"/>
+              </a:spcBef>
+              <a:spcAft>
+                <a:spcPts val="0"/>
+              </a:spcAft>
+              <a:buClr>
+                <a:srgbClr val="000000"/>
+              </a:buClr>
+              <a:buSzPts val="1400"/>
+              <a:buFont typeface="Arial"/>
+              <a:buNone/>
+              <a:defRPr sz="1800" b="0" i="0" u="none" strike="noStrike" cap="none">
+                <a:solidFill>
+                  <a:schemeClr val="dk1"/>
+                </a:solidFill>
+                <a:latin typeface="Arial"/>
+                <a:ea typeface="Arial"/>
+                <a:cs typeface="Arial"/>
+                <a:sym typeface="Arial"/>
+              </a:defRPr>
+            </a:lvl2pPr>
+            <a:lvl3pPr marR="0" lvl="2" algn="l" rtl="0">
+              <a:lnSpc>
+                <a:spcPct val="100000"/>
+              </a:lnSpc>
+              <a:spcBef>
+                <a:spcPts val="0"/>
+              </a:spcBef>
+              <a:spcAft>
+                <a:spcPts val="0"/>
+              </a:spcAft>
+              <a:buClr>
+                <a:srgbClr val="000000"/>
+              </a:buClr>
+              <a:buSzPts val="1400"/>
+              <a:buFont typeface="Arial"/>
+              <a:buNone/>
+              <a:defRPr sz="1800" b="0" i="0" u="none" strike="noStrike" cap="none">
+                <a:solidFill>
+                  <a:schemeClr val="dk1"/>
+                </a:solidFill>
+                <a:latin typeface="Arial"/>
+                <a:ea typeface="Arial"/>
+                <a:cs typeface="Arial"/>
+                <a:sym typeface="Arial"/>
+              </a:defRPr>
+            </a:lvl3pPr>
+            <a:lvl4pPr marR="0" lvl="3" algn="l" rtl="0">
+              <a:lnSpc>
+                <a:spcPct val="100000"/>
+              </a:lnSpc>
+              <a:spcBef>
+                <a:spcPts val="0"/>
+              </a:spcBef>
+              <a:spcAft>
+                <a:spcPts val="0"/>
+              </a:spcAft>
+              <a:buClr>
+                <a:srgbClr val="000000"/>
+              </a:buClr>
+              <a:buSzPts val="1400"/>
+              <a:buFont typeface="Arial"/>
+              <a:buNone/>
+              <a:defRPr sz="1800" b="0" i="0" u="none" strike="noStrike" cap="none">
+                <a:solidFill>
+                  <a:schemeClr val="dk1"/>
+                </a:solidFill>
+                <a:latin typeface="Arial"/>
+                <a:ea typeface="Arial"/>
+                <a:cs typeface="Arial"/>
+                <a:sym typeface="Arial"/>
+              </a:defRPr>
+            </a:lvl4pPr>
+            <a:lvl5pPr marR="0" lvl="4" algn="l" rtl="0">
+              <a:lnSpc>
+                <a:spcPct val="100000"/>
+              </a:lnSpc>
+              <a:spcBef>
+                <a:spcPts val="0"/>
+              </a:spcBef>
+              <a:spcAft>
+                <a:spcPts val="0"/>
+              </a:spcAft>
+              <a:buClr>
+                <a:srgbClr val="000000"/>
+              </a:buClr>
+              <a:buSzPts val="1400"/>
+              <a:buFont typeface="Arial"/>
+              <a:buNone/>
+              <a:defRPr sz="1800" b="0" i="0" u="none" strike="noStrike" cap="none">
+                <a:solidFill>
+                  <a:schemeClr val="dk1"/>
+                </a:solidFill>
+                <a:latin typeface="Arial"/>
+                <a:ea typeface="Arial"/>
+                <a:cs typeface="Arial"/>
+                <a:sym typeface="Arial"/>
+              </a:defRPr>
+            </a:lvl5pPr>
+            <a:lvl6pPr marR="0" lvl="5" algn="l" rtl="0">
+              <a:lnSpc>
+                <a:spcPct val="100000"/>
+              </a:lnSpc>
+              <a:spcBef>
+                <a:spcPts val="0"/>
+              </a:spcBef>
+              <a:spcAft>
+                <a:spcPts val="0"/>
+              </a:spcAft>
+              <a:buClr>
+                <a:srgbClr val="000000"/>
+              </a:buClr>
+              <a:buSzPts val="1400"/>
+              <a:buFont typeface="Arial"/>
+              <a:buNone/>
+              <a:defRPr sz="1800" b="0" i="0" u="none" strike="noStrike" cap="none">
+                <a:solidFill>
+                  <a:schemeClr val="dk1"/>
+                </a:solidFill>
+                <a:latin typeface="Arial"/>
+                <a:ea typeface="Arial"/>
+                <a:cs typeface="Arial"/>
+                <a:sym typeface="Arial"/>
+              </a:defRPr>
+            </a:lvl6pPr>
+            <a:lvl7pPr marR="0" lvl="6" algn="l" rtl="0">
+              <a:lnSpc>
+                <a:spcPct val="100000"/>
+              </a:lnSpc>
+              <a:spcBef>
+                <a:spcPts val="0"/>
+              </a:spcBef>
+              <a:spcAft>
+                <a:spcPts val="0"/>
+              </a:spcAft>
+              <a:buClr>
+                <a:srgbClr val="000000"/>
+              </a:buClr>
+              <a:buSzPts val="1400"/>
+              <a:buFont typeface="Arial"/>
+              <a:buNone/>
+              <a:defRPr sz="1800" b="0" i="0" u="none" strike="noStrike" cap="none">
+                <a:solidFill>
+                  <a:schemeClr val="dk1"/>
+                </a:solidFill>
+                <a:latin typeface="Arial"/>
+                <a:ea typeface="Arial"/>
+                <a:cs typeface="Arial"/>
+                <a:sym typeface="Arial"/>
+              </a:defRPr>
+            </a:lvl7pPr>
+            <a:lvl8pPr marR="0" lvl="7" algn="l" rtl="0">
+              <a:lnSpc>
+                <a:spcPct val="100000"/>
+              </a:lnSpc>
+              <a:spcBef>
+                <a:spcPts val="0"/>
+              </a:spcBef>
+              <a:spcAft>
+                <a:spcPts val="0"/>
+              </a:spcAft>
+              <a:buClr>
+                <a:srgbClr val="000000"/>
+              </a:buClr>
+              <a:buSzPts val="1400"/>
+              <a:buFont typeface="Arial"/>
+              <a:buNone/>
+              <a:defRPr sz="1800" b="0" i="0" u="none" strike="noStrike" cap="none">
+                <a:solidFill>
+                  <a:schemeClr val="dk1"/>
+                </a:solidFill>
+                <a:latin typeface="Arial"/>
+                <a:ea typeface="Arial"/>
+                <a:cs typeface="Arial"/>
+                <a:sym typeface="Arial"/>
+              </a:defRPr>
+            </a:lvl8pPr>
+            <a:lvl9pPr marR="0" lvl="8" algn="l" rtl="0">
+              <a:lnSpc>
+                <a:spcPct val="100000"/>
+              </a:lnSpc>
+              <a:spcBef>
+                <a:spcPts val="0"/>
+              </a:spcBef>
+              <a:spcAft>
+                <a:spcPts val="0"/>
+              </a:spcAft>
+              <a:buClr>
+                <a:srgbClr val="000000"/>
+              </a:buClr>
+              <a:buSzPts val="1400"/>
+              <a:buFont typeface="Arial"/>
+              <a:buNone/>
+              <a:defRPr sz="1800" b="0" i="0" u="none" strike="noStrike" cap="none">
+                <a:solidFill>
+                  <a:schemeClr val="dk1"/>
+                </a:solidFill>
+                <a:latin typeface="Arial"/>
+                <a:ea typeface="Arial"/>
+                <a:cs typeface="Arial"/>
+                <a:sym typeface="Arial"/>
+              </a:defRPr>
+            </a:lvl9pPr>
+          </a:lstStyle>
+          <a:p>
+            <a:endParaRPr/>
+          </a:p>
+        </p:txBody>
+      </p:sp>
+      <p:sp>
+        <p:nvSpPr>
+          <p:cNvPr id="91" name="Google Shape;91;p16"/>
+          <p:cNvSpPr txBox="1">
+            <a:spLocks noGrp="1"/>
+          </p:cNvSpPr>
+          <p:nvPr>
+            <p:ph type="sldNum" idx="12"/>
+          </p:nvPr>
+        </p:nvSpPr>
+        <p:spPr>
+          <a:xfrm>
+            <a:off x="6457950" y="4767263"/>
+            <a:ext cx="2057400" cy="273900"/>
+          </a:xfrm>
+          <a:prstGeom prst="rect">
+            <a:avLst/>
+          </a:prstGeom>
+          <a:noFill/>
+          <a:ln>
+            <a:noFill/>
+          </a:ln>
+        </p:spPr>
+        <p:txBody>
+          <a:bodyPr spcFirstLastPara="1" wrap="square" lIns="91425" tIns="45700" rIns="91425" bIns="45700" anchor="ctr" anchorCtr="0">
+            <a:noAutofit/>
+          </a:bodyPr>
+          <a:lstStyle>
+            <a:lvl1pPr marL="0" marR="0" lvl="0" indent="0" algn="r">
+              <a:lnSpc>
+                <a:spcPct val="100000"/>
+              </a:lnSpc>
+              <a:spcBef>
+                <a:spcPts val="0"/>
+              </a:spcBef>
+              <a:spcAft>
+                <a:spcPts val="0"/>
+              </a:spcAft>
+              <a:buClr>
+                <a:srgbClr val="000000"/>
+              </a:buClr>
+              <a:buSzPts val="1200"/>
+              <a:buFont typeface="Arial"/>
+              <a:buNone/>
+              <a:defRPr sz="1200" b="0" i="0" u="none" strike="noStrike" cap="none">
+                <a:solidFill>
+                  <a:srgbClr val="888888"/>
+                </a:solidFill>
+                <a:latin typeface="Arial"/>
+                <a:ea typeface="Arial"/>
+                <a:cs typeface="Arial"/>
+                <a:sym typeface="Arial"/>
+              </a:defRPr>
+            </a:lvl1pPr>
+            <a:lvl2pPr marL="0" marR="0" lvl="1" indent="0" algn="r">
+              <a:lnSpc>
+                <a:spcPct val="100000"/>
+              </a:lnSpc>
+              <a:spcBef>
+                <a:spcPts val="0"/>
+              </a:spcBef>
+              <a:spcAft>
+                <a:spcPts val="0"/>
+              </a:spcAft>
+              <a:buClr>
+                <a:srgbClr val="000000"/>
+              </a:buClr>
+              <a:buSzPts val="1200"/>
+              <a:buFont typeface="Arial"/>
+              <a:buNone/>
+              <a:defRPr sz="1200" b="0" i="0" u="none" strike="noStrike" cap="none">
+                <a:solidFill>
+                  <a:srgbClr val="888888"/>
+                </a:solidFill>
+                <a:latin typeface="Arial"/>
+                <a:ea typeface="Arial"/>
+                <a:cs typeface="Arial"/>
+                <a:sym typeface="Arial"/>
+              </a:defRPr>
+            </a:lvl2pPr>
+            <a:lvl3pPr marL="0" marR="0" lvl="2" indent="0" algn="r">
+              <a:lnSpc>
+                <a:spcPct val="100000"/>
+              </a:lnSpc>
+              <a:spcBef>
+                <a:spcPts val="0"/>
+              </a:spcBef>
+              <a:spcAft>
+                <a:spcPts val="0"/>
+              </a:spcAft>
+              <a:buClr>
+                <a:srgbClr val="000000"/>
+              </a:buClr>
+              <a:buSzPts val="1200"/>
+              <a:buFont typeface="Arial"/>
+              <a:buNone/>
+              <a:defRPr sz="1200" b="0" i="0" u="none" strike="noStrike" cap="none">
+                <a:solidFill>
+                  <a:srgbClr val="888888"/>
+                </a:solidFill>
+                <a:latin typeface="Arial"/>
+                <a:ea typeface="Arial"/>
+                <a:cs typeface="Arial"/>
+                <a:sym typeface="Arial"/>
+              </a:defRPr>
+            </a:lvl3pPr>
+            <a:lvl4pPr marL="0" marR="0" lvl="3" indent="0" algn="r">
+              <a:lnSpc>
+                <a:spcPct val="100000"/>
+              </a:lnSpc>
+              <a:spcBef>
+                <a:spcPts val="0"/>
+              </a:spcBef>
+              <a:spcAft>
+                <a:spcPts val="0"/>
+              </a:spcAft>
+              <a:buClr>
+                <a:srgbClr val="000000"/>
+              </a:buClr>
+              <a:buSzPts val="1200"/>
+              <a:buFont typeface="Arial"/>
+              <a:buNone/>
+              <a:defRPr sz="1200" b="0" i="0" u="none" strike="noStrike" cap="none">
+                <a:solidFill>
+                  <a:srgbClr val="888888"/>
+                </a:solidFill>
+                <a:latin typeface="Arial"/>
+                <a:ea typeface="Arial"/>
+                <a:cs typeface="Arial"/>
+                <a:sym typeface="Arial"/>
+              </a:defRPr>
+            </a:lvl4pPr>
+            <a:lvl5pPr marL="0" marR="0" lvl="4" indent="0" algn="r">
+              <a:lnSpc>
+                <a:spcPct val="100000"/>
+              </a:lnSpc>
+              <a:spcBef>
+                <a:spcPts val="0"/>
+              </a:spcBef>
+              <a:spcAft>
+                <a:spcPts val="0"/>
+              </a:spcAft>
+              <a:buClr>
+                <a:srgbClr val="000000"/>
+              </a:buClr>
+              <a:buSzPts val="1200"/>
+              <a:buFont typeface="Arial"/>
+              <a:buNone/>
+              <a:defRPr sz="1200" b="0" i="0" u="none" strike="noStrike" cap="none">
+                <a:solidFill>
+                  <a:srgbClr val="888888"/>
+                </a:solidFill>
+                <a:latin typeface="Arial"/>
+                <a:ea typeface="Arial"/>
+                <a:cs typeface="Arial"/>
+                <a:sym typeface="Arial"/>
+              </a:defRPr>
+            </a:lvl5pPr>
+            <a:lvl6pPr marL="0" marR="0" lvl="5" indent="0" algn="r">
+              <a:lnSpc>
+                <a:spcPct val="100000"/>
+              </a:lnSpc>
+              <a:spcBef>
+                <a:spcPts val="0"/>
+              </a:spcBef>
+              <a:spcAft>
+                <a:spcPts val="0"/>
+              </a:spcAft>
+              <a:buClr>
+                <a:srgbClr val="000000"/>
+              </a:buClr>
+              <a:buSzPts val="1200"/>
+              <a:buFont typeface="Arial"/>
+              <a:buNone/>
+              <a:defRPr sz="1200" b="0" i="0" u="none" strike="noStrike" cap="none">
+                <a:solidFill>
+                  <a:srgbClr val="888888"/>
+                </a:solidFill>
+                <a:latin typeface="Arial"/>
+                <a:ea typeface="Arial"/>
+                <a:cs typeface="Arial"/>
+                <a:sym typeface="Arial"/>
+              </a:defRPr>
+            </a:lvl6pPr>
+            <a:lvl7pPr marL="0" marR="0" lvl="6" indent="0" algn="r">
+              <a:lnSpc>
+                <a:spcPct val="100000"/>
+              </a:lnSpc>
+              <a:spcBef>
+                <a:spcPts val="0"/>
+              </a:spcBef>
+              <a:spcAft>
+                <a:spcPts val="0"/>
+              </a:spcAft>
+              <a:buClr>
+                <a:srgbClr val="000000"/>
+              </a:buClr>
+              <a:buSzPts val="1200"/>
+              <a:buFont typeface="Arial"/>
+              <a:buNone/>
+              <a:defRPr sz="1200" b="0" i="0" u="none" strike="noStrike" cap="none">
+                <a:solidFill>
+                  <a:srgbClr val="888888"/>
+                </a:solidFill>
+                <a:latin typeface="Arial"/>
+                <a:ea typeface="Arial"/>
+                <a:cs typeface="Arial"/>
+                <a:sym typeface="Arial"/>
+              </a:defRPr>
+            </a:lvl7pPr>
+            <a:lvl8pPr marL="0" marR="0" lvl="7" indent="0" algn="r">
+              <a:lnSpc>
+                <a:spcPct val="100000"/>
+              </a:lnSpc>
+              <a:spcBef>
+                <a:spcPts val="0"/>
+              </a:spcBef>
+              <a:spcAft>
+                <a:spcPts val="0"/>
+              </a:spcAft>
+              <a:buClr>
+                <a:srgbClr val="000000"/>
+              </a:buClr>
+              <a:buSzPts val="1200"/>
+              <a:buFont typeface="Arial"/>
+              <a:buNone/>
+              <a:defRPr sz="1200" b="0" i="0" u="none" strike="noStrike" cap="none">
+                <a:solidFill>
+                  <a:srgbClr val="888888"/>
+                </a:solidFill>
+                <a:latin typeface="Arial"/>
+                <a:ea typeface="Arial"/>
+                <a:cs typeface="Arial"/>
+                <a:sym typeface="Arial"/>
+              </a:defRPr>
+            </a:lvl8pPr>
+            <a:lvl9pPr marL="0" marR="0" lvl="8" indent="0" algn="r">
+              <a:lnSpc>
+                <a:spcPct val="100000"/>
+              </a:lnSpc>
+              <a:spcBef>
+                <a:spcPts val="0"/>
+              </a:spcBef>
+              <a:spcAft>
+                <a:spcPts val="0"/>
+              </a:spcAft>
+              <a:buClr>
+                <a:srgbClr val="000000"/>
+              </a:buClr>
+              <a:buSzPts val="1200"/>
+              <a:buFont typeface="Arial"/>
+              <a:buNone/>
+              <a:defRPr sz="1200" b="0" i="0" u="none" strike="noStrike" cap="none">
+                <a:solidFill>
+                  <a:srgbClr val="888888"/>
+                </a:solidFill>
+                <a:latin typeface="Arial"/>
+                <a:ea typeface="Arial"/>
+                <a:cs typeface="Arial"/>
+                <a:sym typeface="Arial"/>
+              </a:defRPr>
+            </a:lvl9pPr>
+          </a:lstStyle>
+          <a:p>
+            <a:pPr marL="0" lvl="0" indent="0" algn="r" rtl="0">
+              <a:spcBef>
+                <a:spcPts val="0"/>
+              </a:spcBef>
+              <a:spcAft>
+                <a:spcPts val="0"/>
+              </a:spcAft>
+              <a:buNone/>
+            </a:pPr>
+            <a:fld id="{00000000-1234-1234-1234-123412341234}" type="slidenum">
+              <a:rPr lang="en"/>
+              <a:t>‹#›</a:t>
+            </a:fld>
+            <a:endParaRPr/>
+          </a:p>
+        </p:txBody>
+      </p:sp>
+    </p:spTree>
+    <p:extLst>
+      <p:ext uri="{BB962C8B-B14F-4D97-AF65-F5344CB8AC3E}">
+        <p14:creationId xmlns:p14="http://schemas.microsoft.com/office/powerpoint/2010/main" val="655910282"/>
+      </p:ext>
+    </p:extLst>
   </p:cSld>
   <p:clrMapOvr>
     <a:masterClrMapping/>
@@ -30689,7 +31709,7 @@
           <p:nvPr/>
         </p:nvPicPr>
         <p:blipFill rotWithShape="1">
-          <a:blip r:embed="rId13">
+          <a:blip r:embed="rId14">
             <a:alphaModFix/>
           </a:blip>
           <a:srcRect/>
@@ -30922,6 +31942,7 @@
     <p:sldLayoutId id="2147483669" r:id="rId9"/>
     <p:sldLayoutId id="2147483670" r:id="rId10"/>
     <p:sldLayoutId id="2147483671" r:id="rId11"/>
+    <p:sldLayoutId id="2147483674" r:id="rId12"/>
   </p:sldLayoutIdLst>
   <p:hf sldNum="0" hdr="0" ftr="0" dt="0"/>
   <p:txStyles>
@@ -43735,6 +44756,818 @@
 <file path=ppt/slides/slide33.xml><?xml version="1.0" encoding="utf-8"?>
 <p:sld xmlns:a="http://schemas.openxmlformats.org/drawingml/2006/main" xmlns:r="http://schemas.openxmlformats.org/officeDocument/2006/relationships" xmlns:p="http://schemas.openxmlformats.org/presentationml/2006/main">
   <p:cSld>
+    <p:spTree>
+      <p:nvGrpSpPr>
+        <p:cNvPr id="1" name=""/>
+        <p:cNvGrpSpPr/>
+        <p:nvPr/>
+      </p:nvGrpSpPr>
+      <p:grpSpPr>
+        <a:xfrm>
+          <a:off x="0" y="0"/>
+          <a:ext cx="0" cy="0"/>
+          <a:chOff x="0" y="0"/>
+          <a:chExt cx="0" cy="0"/>
+        </a:xfrm>
+      </p:grpSpPr>
+      <p:sp>
+        <p:nvSpPr>
+          <p:cNvPr id="7" name="TextBox 6">
+            <a:extLst>
+              <a:ext uri="{FF2B5EF4-FFF2-40B4-BE49-F238E27FC236}">
+                <a16:creationId xmlns:a16="http://schemas.microsoft.com/office/drawing/2014/main" id="{7C949885-9E23-6C19-E509-059C54E97F11}"/>
+              </a:ext>
+            </a:extLst>
+          </p:cNvPr>
+          <p:cNvSpPr txBox="1"/>
+          <p:nvPr/>
+        </p:nvSpPr>
+        <p:spPr>
+          <a:xfrm>
+            <a:off x="410966" y="387577"/>
+            <a:ext cx="4572000" cy="375552"/>
+          </a:xfrm>
+          <a:prstGeom prst="rect">
+            <a:avLst/>
+          </a:prstGeom>
+          <a:noFill/>
+        </p:spPr>
+        <p:txBody>
+          <a:bodyPr wrap="square">
+            <a:spAutoFit/>
+          </a:bodyPr>
+          <a:lstStyle/>
+          <a:p>
+            <a:pPr marL="171450" indent="-171450">
+              <a:lnSpc>
+                <a:spcPct val="150000"/>
+              </a:lnSpc>
+              <a:buFont typeface="Wingdings" panose="05000000000000000000" pitchFamily="2" charset="2"/>
+              <a:buChar char="Ø"/>
+            </a:pPr>
+            <a:r>
+              <a:rPr lang="en-US" sz="1400"/>
+              <a:t>Which CIA goals are violated?</a:t>
+            </a:r>
+          </a:p>
+        </p:txBody>
+      </p:sp>
+      <p:sp>
+        <p:nvSpPr>
+          <p:cNvPr id="9" name="TextBox 8">
+            <a:extLst>
+              <a:ext uri="{FF2B5EF4-FFF2-40B4-BE49-F238E27FC236}">
+                <a16:creationId xmlns:a16="http://schemas.microsoft.com/office/drawing/2014/main" id="{32499897-E702-B4EB-6035-38C2EBA8F656}"/>
+              </a:ext>
+            </a:extLst>
+          </p:cNvPr>
+          <p:cNvSpPr txBox="1"/>
+          <p:nvPr/>
+        </p:nvSpPr>
+        <p:spPr>
+          <a:xfrm>
+            <a:off x="565079" y="700858"/>
+            <a:ext cx="4572000" cy="738664"/>
+          </a:xfrm>
+          <a:prstGeom prst="rect">
+            <a:avLst/>
+          </a:prstGeom>
+          <a:noFill/>
+        </p:spPr>
+        <p:txBody>
+          <a:bodyPr wrap="square">
+            <a:spAutoFit/>
+          </a:bodyPr>
+          <a:lstStyle/>
+          <a:p>
+            <a:pPr marL="285750" indent="-285750">
+              <a:buFont typeface="Arial" panose="020B0604020202020204" pitchFamily="34" charset="0"/>
+              <a:buChar char="•"/>
+            </a:pPr>
+            <a:r>
+              <a:rPr lang="en-US"/>
+              <a:t>Viewing others’ grades: </a:t>
+            </a:r>
+            <a:r>
+              <a:rPr lang="en-US" b="1"/>
+              <a:t>Confidentiality</a:t>
+            </a:r>
+            <a:endParaRPr lang="en-US"/>
+          </a:p>
+          <a:p>
+            <a:pPr marL="285750" indent="-285750">
+              <a:buFont typeface="Arial" panose="020B0604020202020204" pitchFamily="34" charset="0"/>
+              <a:buChar char="•"/>
+            </a:pPr>
+            <a:r>
+              <a:rPr lang="en-US"/>
+              <a:t> Modifying displayed grades via script: </a:t>
+            </a:r>
+            <a:r>
+              <a:rPr lang="en-US" b="1"/>
+              <a:t>Integrity</a:t>
+            </a:r>
+            <a:endParaRPr lang="en-US"/>
+          </a:p>
+          <a:p>
+            <a:pPr marL="285750" indent="-285750">
+              <a:buFont typeface="Arial" panose="020B0604020202020204" pitchFamily="34" charset="0"/>
+              <a:buChar char="•"/>
+            </a:pPr>
+            <a:r>
+              <a:rPr lang="en-US"/>
+              <a:t> System outage during finals: </a:t>
+            </a:r>
+            <a:r>
+              <a:rPr lang="en-US" b="1"/>
+              <a:t>Availability</a:t>
+            </a:r>
+            <a:endParaRPr lang="en-US"/>
+          </a:p>
+        </p:txBody>
+      </p:sp>
+      <p:sp>
+        <p:nvSpPr>
+          <p:cNvPr id="11" name="TextBox 10">
+            <a:extLst>
+              <a:ext uri="{FF2B5EF4-FFF2-40B4-BE49-F238E27FC236}">
+                <a16:creationId xmlns:a16="http://schemas.microsoft.com/office/drawing/2014/main" id="{F38C7FC5-DDFD-51F7-E464-1A857C538AF5}"/>
+              </a:ext>
+            </a:extLst>
+          </p:cNvPr>
+          <p:cNvSpPr txBox="1"/>
+          <p:nvPr/>
+        </p:nvSpPr>
+        <p:spPr>
+          <a:xfrm>
+            <a:off x="410966" y="1357931"/>
+            <a:ext cx="4572000" cy="375552"/>
+          </a:xfrm>
+          <a:prstGeom prst="rect">
+            <a:avLst/>
+          </a:prstGeom>
+          <a:noFill/>
+        </p:spPr>
+        <p:txBody>
+          <a:bodyPr wrap="square">
+            <a:spAutoFit/>
+          </a:bodyPr>
+          <a:lstStyle/>
+          <a:p>
+            <a:pPr marL="171450" indent="-171450">
+              <a:lnSpc>
+                <a:spcPct val="150000"/>
+              </a:lnSpc>
+              <a:buFont typeface="Wingdings" panose="05000000000000000000" pitchFamily="2" charset="2"/>
+              <a:buChar char="Ø"/>
+            </a:pPr>
+            <a:r>
+              <a:rPr lang="en-US" sz="1400"/>
+              <a:t>What types of attacks occurred?</a:t>
+            </a:r>
+            <a:endParaRPr lang="en-US" sz="1400" i="1"/>
+          </a:p>
+        </p:txBody>
+      </p:sp>
+      <p:sp>
+        <p:nvSpPr>
+          <p:cNvPr id="12" name="TextBox 11">
+            <a:extLst>
+              <a:ext uri="{FF2B5EF4-FFF2-40B4-BE49-F238E27FC236}">
+                <a16:creationId xmlns:a16="http://schemas.microsoft.com/office/drawing/2014/main" id="{B66D2BBE-9365-FF27-1EBE-ED40C2E71725}"/>
+              </a:ext>
+            </a:extLst>
+          </p:cNvPr>
+          <p:cNvSpPr txBox="1"/>
+          <p:nvPr/>
+        </p:nvSpPr>
+        <p:spPr>
+          <a:xfrm>
+            <a:off x="565079" y="1695806"/>
+            <a:ext cx="4572000" cy="738664"/>
+          </a:xfrm>
+          <a:prstGeom prst="rect">
+            <a:avLst/>
+          </a:prstGeom>
+          <a:noFill/>
+        </p:spPr>
+        <p:txBody>
+          <a:bodyPr wrap="square">
+            <a:spAutoFit/>
+          </a:bodyPr>
+          <a:lstStyle/>
+          <a:p>
+            <a:pPr marL="285750" indent="-285750">
+              <a:buFont typeface="Arial" panose="020B0604020202020204" pitchFamily="34" charset="0"/>
+              <a:buChar char="•"/>
+            </a:pPr>
+            <a:r>
+              <a:rPr lang="en-US"/>
+              <a:t>Unauthorized access</a:t>
+            </a:r>
+          </a:p>
+          <a:p>
+            <a:pPr marL="285750" indent="-285750">
+              <a:buFont typeface="Arial" panose="020B0604020202020204" pitchFamily="34" charset="0"/>
+              <a:buChar char="•"/>
+            </a:pPr>
+            <a:r>
+              <a:rPr lang="en-US"/>
+              <a:t>Code injection</a:t>
+            </a:r>
+          </a:p>
+          <a:p>
+            <a:pPr marL="285750" indent="-285750">
+              <a:buFont typeface="Arial" panose="020B0604020202020204" pitchFamily="34" charset="0"/>
+              <a:buChar char="•"/>
+            </a:pPr>
+            <a:r>
+              <a:rPr lang="en-US"/>
+              <a:t>Denial of Service (DoS)</a:t>
+            </a:r>
+          </a:p>
+        </p:txBody>
+      </p:sp>
+      <p:sp>
+        <p:nvSpPr>
+          <p:cNvPr id="14" name="TextBox 13">
+            <a:extLst>
+              <a:ext uri="{FF2B5EF4-FFF2-40B4-BE49-F238E27FC236}">
+                <a16:creationId xmlns:a16="http://schemas.microsoft.com/office/drawing/2014/main" id="{419A7230-6D7B-0810-1060-E0459F45C093}"/>
+              </a:ext>
+            </a:extLst>
+          </p:cNvPr>
+          <p:cNvSpPr txBox="1"/>
+          <p:nvPr/>
+        </p:nvSpPr>
+        <p:spPr>
+          <a:xfrm>
+            <a:off x="373114" y="2383974"/>
+            <a:ext cx="4572000" cy="375552"/>
+          </a:xfrm>
+          <a:prstGeom prst="rect">
+            <a:avLst/>
+          </a:prstGeom>
+          <a:noFill/>
+        </p:spPr>
+        <p:txBody>
+          <a:bodyPr wrap="square">
+            <a:spAutoFit/>
+          </a:bodyPr>
+          <a:lstStyle/>
+          <a:p>
+            <a:pPr marL="171450" indent="-171450">
+              <a:lnSpc>
+                <a:spcPct val="150000"/>
+              </a:lnSpc>
+              <a:buFont typeface="Wingdings" panose="05000000000000000000" pitchFamily="2" charset="2"/>
+              <a:buChar char="Ø"/>
+            </a:pPr>
+            <a:r>
+              <a:rPr lang="en-US" sz="1400"/>
+              <a:t>Which Security Principles Were Ignored?</a:t>
+            </a:r>
+          </a:p>
+        </p:txBody>
+      </p:sp>
+      <p:pic>
+        <p:nvPicPr>
+          <p:cNvPr id="15" name="Picture 14">
+            <a:extLst>
+              <a:ext uri="{FF2B5EF4-FFF2-40B4-BE49-F238E27FC236}">
+                <a16:creationId xmlns:a16="http://schemas.microsoft.com/office/drawing/2014/main" id="{4E71FEBD-72F3-D764-92C5-737E5B7ADD01}"/>
+              </a:ext>
+            </a:extLst>
+          </p:cNvPr>
+          <p:cNvPicPr>
+            <a:picLocks noChangeAspect="1"/>
+          </p:cNvPicPr>
+          <p:nvPr/>
+        </p:nvPicPr>
+        <p:blipFill>
+          <a:blip r:embed="rId2"/>
+          <a:stretch>
+            <a:fillRect/>
+          </a:stretch>
+        </p:blipFill>
+        <p:spPr>
+          <a:xfrm>
+            <a:off x="5108149" y="1161013"/>
+            <a:ext cx="1866110" cy="1657994"/>
+          </a:xfrm>
+          <a:prstGeom prst="rect">
+            <a:avLst/>
+          </a:prstGeom>
+        </p:spPr>
+      </p:pic>
+      <p:sp>
+        <p:nvSpPr>
+          <p:cNvPr id="16" name="Rectangle 15">
+            <a:extLst>
+              <a:ext uri="{FF2B5EF4-FFF2-40B4-BE49-F238E27FC236}">
+                <a16:creationId xmlns:a16="http://schemas.microsoft.com/office/drawing/2014/main" id="{628BCD92-0746-9E37-66D8-66E891B54828}"/>
+              </a:ext>
+            </a:extLst>
+          </p:cNvPr>
+          <p:cNvSpPr/>
+          <p:nvPr/>
+        </p:nvSpPr>
+        <p:spPr>
+          <a:xfrm>
+            <a:off x="6303196" y="1671647"/>
+            <a:ext cx="513708" cy="286561"/>
+          </a:xfrm>
+          <a:prstGeom prst="rect">
+            <a:avLst/>
+          </a:prstGeom>
+          <a:noFill/>
+          <a:ln w="9525">
+            <a:solidFill>
+              <a:srgbClr val="C00000"/>
+            </a:solidFill>
+          </a:ln>
+        </p:spPr>
+        <p:style>
+          <a:lnRef idx="2">
+            <a:schemeClr val="accent1">
+              <a:shade val="15000"/>
+            </a:schemeClr>
+          </a:lnRef>
+          <a:fillRef idx="1">
+            <a:schemeClr val="accent1"/>
+          </a:fillRef>
+          <a:effectRef idx="0">
+            <a:schemeClr val="accent1"/>
+          </a:effectRef>
+          <a:fontRef idx="minor">
+            <a:schemeClr val="lt1"/>
+          </a:fontRef>
+        </p:style>
+        <p:txBody>
+          <a:bodyPr rtlCol="0" anchor="ctr"/>
+          <a:lstStyle/>
+          <a:p>
+            <a:pPr algn="ctr"/>
+            <a:endParaRPr lang="en-US"/>
+          </a:p>
+        </p:txBody>
+      </p:sp>
+      <p:sp>
+        <p:nvSpPr>
+          <p:cNvPr id="18" name="TextBox 17">
+            <a:extLst>
+              <a:ext uri="{FF2B5EF4-FFF2-40B4-BE49-F238E27FC236}">
+                <a16:creationId xmlns:a16="http://schemas.microsoft.com/office/drawing/2014/main" id="{EAEFB274-9C90-7078-099B-EB9CCB6D6422}"/>
+              </a:ext>
+            </a:extLst>
+          </p:cNvPr>
+          <p:cNvSpPr txBox="1"/>
+          <p:nvPr/>
+        </p:nvSpPr>
+        <p:spPr>
+          <a:xfrm>
+            <a:off x="6816904" y="1531325"/>
+            <a:ext cx="2018871" cy="400110"/>
+          </a:xfrm>
+          <a:prstGeom prst="rect">
+            <a:avLst/>
+          </a:prstGeom>
+          <a:noFill/>
+        </p:spPr>
+        <p:txBody>
+          <a:bodyPr wrap="square">
+            <a:spAutoFit/>
+          </a:bodyPr>
+          <a:lstStyle/>
+          <a:p>
+            <a:r>
+              <a:rPr lang="en-US" sz="1000"/>
+              <a:t>Every access to a resource must be checked for authorization.</a:t>
+            </a:r>
+          </a:p>
+        </p:txBody>
+      </p:sp>
+      <p:sp>
+        <p:nvSpPr>
+          <p:cNvPr id="19" name="Rectangle 18">
+            <a:extLst>
+              <a:ext uri="{FF2B5EF4-FFF2-40B4-BE49-F238E27FC236}">
+                <a16:creationId xmlns:a16="http://schemas.microsoft.com/office/drawing/2014/main" id="{9A548D0B-F3BB-5D3A-46D3-22809A7A9F2E}"/>
+              </a:ext>
+            </a:extLst>
+          </p:cNvPr>
+          <p:cNvSpPr/>
+          <p:nvPr/>
+        </p:nvSpPr>
+        <p:spPr>
+          <a:xfrm>
+            <a:off x="5753529" y="2454608"/>
+            <a:ext cx="513708" cy="286561"/>
+          </a:xfrm>
+          <a:prstGeom prst="rect">
+            <a:avLst/>
+          </a:prstGeom>
+          <a:noFill/>
+          <a:ln w="9525">
+            <a:solidFill>
+              <a:srgbClr val="C00000"/>
+            </a:solidFill>
+          </a:ln>
+        </p:spPr>
+        <p:style>
+          <a:lnRef idx="2">
+            <a:schemeClr val="accent1">
+              <a:shade val="15000"/>
+            </a:schemeClr>
+          </a:lnRef>
+          <a:fillRef idx="1">
+            <a:schemeClr val="accent1"/>
+          </a:fillRef>
+          <a:effectRef idx="0">
+            <a:schemeClr val="accent1"/>
+          </a:effectRef>
+          <a:fontRef idx="minor">
+            <a:schemeClr val="lt1"/>
+          </a:fontRef>
+        </p:style>
+        <p:txBody>
+          <a:bodyPr rtlCol="0" anchor="ctr"/>
+          <a:lstStyle/>
+          <a:p>
+            <a:pPr algn="ctr"/>
+            <a:endParaRPr lang="en-US"/>
+          </a:p>
+        </p:txBody>
+      </p:sp>
+      <p:sp>
+        <p:nvSpPr>
+          <p:cNvPr id="21" name="TextBox 20">
+            <a:extLst>
+              <a:ext uri="{FF2B5EF4-FFF2-40B4-BE49-F238E27FC236}">
+                <a16:creationId xmlns:a16="http://schemas.microsoft.com/office/drawing/2014/main" id="{61E15EEC-11EF-E775-0FEB-E75A5047D2BE}"/>
+              </a:ext>
+            </a:extLst>
+          </p:cNvPr>
+          <p:cNvSpPr txBox="1"/>
+          <p:nvPr/>
+        </p:nvSpPr>
+        <p:spPr>
+          <a:xfrm>
+            <a:off x="5630238" y="2880075"/>
+            <a:ext cx="2090791" cy="400110"/>
+          </a:xfrm>
+          <a:prstGeom prst="rect">
+            <a:avLst/>
+          </a:prstGeom>
+          <a:noFill/>
+        </p:spPr>
+        <p:txBody>
+          <a:bodyPr wrap="square">
+            <a:spAutoFit/>
+          </a:bodyPr>
+          <a:lstStyle/>
+          <a:p>
+            <a:r>
+              <a:rPr lang="en-US" sz="1000"/>
+              <a:t>Users should have only the permissions needed for their role.</a:t>
+            </a:r>
+          </a:p>
+        </p:txBody>
+      </p:sp>
+      <p:sp>
+        <p:nvSpPr>
+          <p:cNvPr id="22" name="Rectangle 21">
+            <a:extLst>
+              <a:ext uri="{FF2B5EF4-FFF2-40B4-BE49-F238E27FC236}">
+                <a16:creationId xmlns:a16="http://schemas.microsoft.com/office/drawing/2014/main" id="{EC0D7CD5-37CF-6324-DD02-48FAF6DBE9E0}"/>
+              </a:ext>
+            </a:extLst>
+          </p:cNvPr>
+          <p:cNvSpPr/>
+          <p:nvPr/>
+        </p:nvSpPr>
+        <p:spPr>
+          <a:xfrm>
+            <a:off x="6161925" y="1343701"/>
+            <a:ext cx="513708" cy="286561"/>
+          </a:xfrm>
+          <a:prstGeom prst="rect">
+            <a:avLst/>
+          </a:prstGeom>
+          <a:noFill/>
+          <a:ln w="9525">
+            <a:solidFill>
+              <a:srgbClr val="C00000"/>
+            </a:solidFill>
+          </a:ln>
+        </p:spPr>
+        <p:style>
+          <a:lnRef idx="2">
+            <a:schemeClr val="accent1">
+              <a:shade val="15000"/>
+            </a:schemeClr>
+          </a:lnRef>
+          <a:fillRef idx="1">
+            <a:schemeClr val="accent1"/>
+          </a:fillRef>
+          <a:effectRef idx="0">
+            <a:schemeClr val="accent1"/>
+          </a:effectRef>
+          <a:fontRef idx="minor">
+            <a:schemeClr val="lt1"/>
+          </a:fontRef>
+        </p:style>
+        <p:txBody>
+          <a:bodyPr rtlCol="0" anchor="ctr"/>
+          <a:lstStyle/>
+          <a:p>
+            <a:pPr algn="ctr"/>
+            <a:endParaRPr lang="en-US"/>
+          </a:p>
+        </p:txBody>
+      </p:sp>
+      <p:sp>
+        <p:nvSpPr>
+          <p:cNvPr id="24" name="TextBox 23">
+            <a:extLst>
+              <a:ext uri="{FF2B5EF4-FFF2-40B4-BE49-F238E27FC236}">
+                <a16:creationId xmlns:a16="http://schemas.microsoft.com/office/drawing/2014/main" id="{A9EA60C3-58D9-9096-C58D-D8C87A1F3C8F}"/>
+              </a:ext>
+            </a:extLst>
+          </p:cNvPr>
+          <p:cNvSpPr txBox="1"/>
+          <p:nvPr/>
+        </p:nvSpPr>
+        <p:spPr>
+          <a:xfrm>
+            <a:off x="6192747" y="882523"/>
+            <a:ext cx="2018871" cy="400110"/>
+          </a:xfrm>
+          <a:prstGeom prst="rect">
+            <a:avLst/>
+          </a:prstGeom>
+          <a:noFill/>
+        </p:spPr>
+        <p:txBody>
+          <a:bodyPr wrap="square">
+            <a:spAutoFit/>
+          </a:bodyPr>
+          <a:lstStyle/>
+          <a:p>
+            <a:r>
+              <a:rPr lang="en-US" sz="1000"/>
+              <a:t>Deny access by default; grant only when explicitly allowed.</a:t>
+            </a:r>
+          </a:p>
+        </p:txBody>
+      </p:sp>
+      <p:sp>
+        <p:nvSpPr>
+          <p:cNvPr id="27" name="TextBox 26">
+            <a:extLst>
+              <a:ext uri="{FF2B5EF4-FFF2-40B4-BE49-F238E27FC236}">
+                <a16:creationId xmlns:a16="http://schemas.microsoft.com/office/drawing/2014/main" id="{50654D21-EE49-A9E9-9998-3C059CC5E0AC}"/>
+              </a:ext>
+            </a:extLst>
+          </p:cNvPr>
+          <p:cNvSpPr txBox="1"/>
+          <p:nvPr/>
+        </p:nvSpPr>
+        <p:spPr>
+          <a:xfrm>
+            <a:off x="410966" y="2986291"/>
+            <a:ext cx="4572000" cy="375552"/>
+          </a:xfrm>
+          <a:prstGeom prst="rect">
+            <a:avLst/>
+          </a:prstGeom>
+          <a:noFill/>
+        </p:spPr>
+        <p:txBody>
+          <a:bodyPr wrap="square">
+            <a:spAutoFit/>
+          </a:bodyPr>
+          <a:lstStyle/>
+          <a:p>
+            <a:pPr marL="171450" indent="-171450">
+              <a:lnSpc>
+                <a:spcPct val="150000"/>
+              </a:lnSpc>
+              <a:buFont typeface="Wingdings" panose="05000000000000000000" pitchFamily="2" charset="2"/>
+              <a:buChar char="Ø"/>
+            </a:pPr>
+            <a:r>
+              <a:rPr lang="en-US" sz="1400"/>
+              <a:t>What defenses can prevent each issue?</a:t>
+            </a:r>
+          </a:p>
+        </p:txBody>
+      </p:sp>
+      <p:sp>
+        <p:nvSpPr>
+          <p:cNvPr id="29" name="TextBox 28">
+            <a:extLst>
+              <a:ext uri="{FF2B5EF4-FFF2-40B4-BE49-F238E27FC236}">
+                <a16:creationId xmlns:a16="http://schemas.microsoft.com/office/drawing/2014/main" id="{FC18548F-DC2C-EDF7-30F4-5E6B574886AD}"/>
+              </a:ext>
+            </a:extLst>
+          </p:cNvPr>
+          <p:cNvSpPr txBox="1"/>
+          <p:nvPr/>
+        </p:nvSpPr>
+        <p:spPr>
+          <a:xfrm>
+            <a:off x="565078" y="3434719"/>
+            <a:ext cx="7844319" cy="738664"/>
+          </a:xfrm>
+          <a:prstGeom prst="rect">
+            <a:avLst/>
+          </a:prstGeom>
+          <a:noFill/>
+        </p:spPr>
+        <p:txBody>
+          <a:bodyPr wrap="square">
+            <a:spAutoFit/>
+          </a:bodyPr>
+          <a:lstStyle/>
+          <a:p>
+            <a:pPr marL="285750" indent="-285750">
+              <a:buFont typeface="Arial" panose="020B0604020202020204" pitchFamily="34" charset="0"/>
+              <a:buChar char="•"/>
+            </a:pPr>
+            <a:r>
+              <a:rPr lang="en-US"/>
+              <a:t>Unauthorized grade access: Implement strong authentication and authorization checks;</a:t>
+            </a:r>
+          </a:p>
+          <a:p>
+            <a:pPr marL="285750" indent="-285750">
+              <a:buFont typeface="Arial" panose="020B0604020202020204" pitchFamily="34" charset="0"/>
+              <a:buChar char="•"/>
+            </a:pPr>
+            <a:r>
+              <a:rPr lang="en-US"/>
+              <a:t>Script injection: Input validation;</a:t>
+            </a:r>
+          </a:p>
+          <a:p>
+            <a:pPr marL="285750" indent="-285750">
+              <a:buFont typeface="Arial" panose="020B0604020202020204" pitchFamily="34" charset="0"/>
+              <a:buChar char="•"/>
+            </a:pPr>
+            <a:r>
+              <a:rPr lang="en-US"/>
+              <a:t>System crash under load: Load balancing, rate limiting.</a:t>
+            </a:r>
+          </a:p>
+        </p:txBody>
+      </p:sp>
+      <p:sp>
+        <p:nvSpPr>
+          <p:cNvPr id="2" name="TextBox 1">
+            <a:extLst>
+              <a:ext uri="{FF2B5EF4-FFF2-40B4-BE49-F238E27FC236}">
+                <a16:creationId xmlns:a16="http://schemas.microsoft.com/office/drawing/2014/main" id="{EFE143C9-3FD8-DA00-92E1-43FB07115FDA}"/>
+              </a:ext>
+            </a:extLst>
+          </p:cNvPr>
+          <p:cNvSpPr txBox="1"/>
+          <p:nvPr/>
+        </p:nvSpPr>
+        <p:spPr>
+          <a:xfrm>
+            <a:off x="5630238" y="521368"/>
+            <a:ext cx="1643399" cy="307777"/>
+          </a:xfrm>
+          <a:prstGeom prst="rect">
+            <a:avLst/>
+          </a:prstGeom>
+          <a:noFill/>
+        </p:spPr>
+        <p:txBody>
+          <a:bodyPr wrap="none" rtlCol="0">
+            <a:spAutoFit/>
+          </a:bodyPr>
+          <a:lstStyle/>
+          <a:p>
+            <a:r>
+              <a:rPr lang="en-US" b="1">
+                <a:solidFill>
+                  <a:srgbClr val="FF0000"/>
+                </a:solidFill>
+              </a:rPr>
+              <a:t>F</a:t>
+            </a:r>
+            <a:r>
+              <a:rPr lang="en-US" altLang="zh-CN" b="1">
+                <a:solidFill>
+                  <a:srgbClr val="FF0000"/>
+                </a:solidFill>
+              </a:rPr>
+              <a:t>ail-safe defaults</a:t>
+            </a:r>
+            <a:endParaRPr lang="en-US" b="1">
+              <a:solidFill>
+                <a:srgbClr val="FF0000"/>
+              </a:solidFill>
+            </a:endParaRPr>
+          </a:p>
+        </p:txBody>
+      </p:sp>
+      <p:sp>
+        <p:nvSpPr>
+          <p:cNvPr id="3" name="TextBox 2">
+            <a:extLst>
+              <a:ext uri="{FF2B5EF4-FFF2-40B4-BE49-F238E27FC236}">
+                <a16:creationId xmlns:a16="http://schemas.microsoft.com/office/drawing/2014/main" id="{CD271415-14A0-C728-ED8F-C36428854A34}"/>
+              </a:ext>
+            </a:extLst>
+          </p:cNvPr>
+          <p:cNvSpPr txBox="1"/>
+          <p:nvPr/>
+        </p:nvSpPr>
+        <p:spPr>
+          <a:xfrm>
+            <a:off x="6940704" y="1931513"/>
+            <a:ext cx="1895071" cy="307777"/>
+          </a:xfrm>
+          <a:prstGeom prst="rect">
+            <a:avLst/>
+          </a:prstGeom>
+          <a:noFill/>
+        </p:spPr>
+        <p:txBody>
+          <a:bodyPr wrap="none" rtlCol="0">
+            <a:spAutoFit/>
+          </a:bodyPr>
+          <a:lstStyle/>
+          <a:p>
+            <a:r>
+              <a:rPr lang="en-US" b="1">
+                <a:solidFill>
+                  <a:srgbClr val="FF0000"/>
+                </a:solidFill>
+              </a:rPr>
+              <a:t>Complete mediation</a:t>
+            </a:r>
+          </a:p>
+        </p:txBody>
+      </p:sp>
+      <p:sp>
+        <p:nvSpPr>
+          <p:cNvPr id="4" name="TextBox 3">
+            <a:extLst>
+              <a:ext uri="{FF2B5EF4-FFF2-40B4-BE49-F238E27FC236}">
+                <a16:creationId xmlns:a16="http://schemas.microsoft.com/office/drawing/2014/main" id="{899AC6FA-DF28-8AFE-2F82-3FC4BC2784D3}"/>
+              </a:ext>
+            </a:extLst>
+          </p:cNvPr>
+          <p:cNvSpPr txBox="1"/>
+          <p:nvPr/>
+        </p:nvSpPr>
+        <p:spPr>
+          <a:xfrm>
+            <a:off x="6418779" y="2524616"/>
+            <a:ext cx="1436612" cy="307777"/>
+          </a:xfrm>
+          <a:prstGeom prst="rect">
+            <a:avLst/>
+          </a:prstGeom>
+          <a:noFill/>
+        </p:spPr>
+        <p:txBody>
+          <a:bodyPr wrap="none" rtlCol="0">
+            <a:spAutoFit/>
+          </a:bodyPr>
+          <a:lstStyle/>
+          <a:p>
+            <a:r>
+              <a:rPr lang="en-US" b="1">
+                <a:solidFill>
+                  <a:srgbClr val="FF0000"/>
+                </a:solidFill>
+              </a:rPr>
+              <a:t>Least privilege</a:t>
+            </a:r>
+          </a:p>
+        </p:txBody>
+      </p:sp>
+    </p:spTree>
+    <p:extLst>
+      <p:ext uri="{BB962C8B-B14F-4D97-AF65-F5344CB8AC3E}">
+        <p14:creationId xmlns:p14="http://schemas.microsoft.com/office/powerpoint/2010/main" val="205867145"/>
+      </p:ext>
+    </p:extLst>
+  </p:cSld>
+  <p:clrMapOvr>
+    <a:masterClrMapping/>
+  </p:clrMapOvr>
+</p:sld>
+</file>
+
+<file path=ppt/slides/slide34.xml><?xml version="1.0" encoding="utf-8"?>
+<p:sld xmlns:a="http://schemas.openxmlformats.org/drawingml/2006/main" xmlns:r="http://schemas.openxmlformats.org/officeDocument/2006/relationships" xmlns:p="http://schemas.openxmlformats.org/presentationml/2006/main">
+  <p:cSld>
     <p:bg>
       <p:bgPr>
         <a:solidFill>
@@ -44259,7 +46092,7 @@
 </p:sld>
 </file>
 
-<file path=ppt/slides/slide34.xml><?xml version="1.0" encoding="utf-8"?>
+<file path=ppt/slides/slide35.xml><?xml version="1.0" encoding="utf-8"?>
 <p:sld xmlns:a="http://schemas.openxmlformats.org/drawingml/2006/main" xmlns:r="http://schemas.openxmlformats.org/officeDocument/2006/relationships" xmlns:p="http://schemas.openxmlformats.org/presentationml/2006/main">
   <p:cSld>
     <p:bg>
